--- a/project/임시서윤.pptx
+++ b/project/임시서윤.pptx
@@ -14,6 +14,7 @@
     <p:sldId id="287" r:id="rId8"/>
     <p:sldId id="288" r:id="rId9"/>
     <p:sldId id="290" r:id="rId10"/>
+    <p:sldId id="291" r:id="rId11"/>
   </p:sldIdLst>
   <p:sldSz cx="12192000" cy="6858000"/>
   <p:notesSz cx="6858000" cy="9144000"/>
@@ -112,6 +113,11 @@
       </a:defRPr>
     </a:lvl9pPr>
   </p:defaultTextStyle>
+  <p:extLst>
+    <p:ext uri="{EFAFB233-063F-42B5-8137-9DF3F51BA10A}">
+      <p15:sldGuideLst xmlns:p15="http://schemas.microsoft.com/office/powerpoint/2012/main"/>
+    </p:ext>
+  </p:extLst>
 </p:presentation>
 </file>
 
@@ -262,7 +268,7 @@
           <a:p>
             <a:fld id="{68387CAF-9A89-4306-8BBC-3A76FC80F7DE}" type="datetimeFigureOut">
               <a:rPr lang="ko-KR" altLang="en-US" smtClean="0"/>
-              <a:t>2019-12-19</a:t>
+              <a:t>2019-12-20</a:t>
             </a:fld>
             <a:endParaRPr lang="ko-KR" altLang="en-US"/>
           </a:p>
@@ -460,7 +466,7 @@
           <a:p>
             <a:fld id="{68387CAF-9A89-4306-8BBC-3A76FC80F7DE}" type="datetimeFigureOut">
               <a:rPr lang="ko-KR" altLang="en-US" smtClean="0"/>
-              <a:t>2019-12-19</a:t>
+              <a:t>2019-12-20</a:t>
             </a:fld>
             <a:endParaRPr lang="ko-KR" altLang="en-US"/>
           </a:p>
@@ -668,7 +674,7 @@
           <a:p>
             <a:fld id="{68387CAF-9A89-4306-8BBC-3A76FC80F7DE}" type="datetimeFigureOut">
               <a:rPr lang="ko-KR" altLang="en-US" smtClean="0"/>
-              <a:t>2019-12-19</a:t>
+              <a:t>2019-12-20</a:t>
             </a:fld>
             <a:endParaRPr lang="ko-KR" altLang="en-US"/>
           </a:p>
@@ -866,7 +872,7 @@
           <a:p>
             <a:fld id="{68387CAF-9A89-4306-8BBC-3A76FC80F7DE}" type="datetimeFigureOut">
               <a:rPr lang="ko-KR" altLang="en-US" smtClean="0"/>
-              <a:t>2019-12-19</a:t>
+              <a:t>2019-12-20</a:t>
             </a:fld>
             <a:endParaRPr lang="ko-KR" altLang="en-US"/>
           </a:p>
@@ -1141,7 +1147,7 @@
           <a:p>
             <a:fld id="{68387CAF-9A89-4306-8BBC-3A76FC80F7DE}" type="datetimeFigureOut">
               <a:rPr lang="ko-KR" altLang="en-US" smtClean="0"/>
-              <a:t>2019-12-19</a:t>
+              <a:t>2019-12-20</a:t>
             </a:fld>
             <a:endParaRPr lang="ko-KR" altLang="en-US"/>
           </a:p>
@@ -1406,7 +1412,7 @@
           <a:p>
             <a:fld id="{68387CAF-9A89-4306-8BBC-3A76FC80F7DE}" type="datetimeFigureOut">
               <a:rPr lang="ko-KR" altLang="en-US" smtClean="0"/>
-              <a:t>2019-12-19</a:t>
+              <a:t>2019-12-20</a:t>
             </a:fld>
             <a:endParaRPr lang="ko-KR" altLang="en-US"/>
           </a:p>
@@ -1818,7 +1824,7 @@
           <a:p>
             <a:fld id="{68387CAF-9A89-4306-8BBC-3A76FC80F7DE}" type="datetimeFigureOut">
               <a:rPr lang="ko-KR" altLang="en-US" smtClean="0"/>
-              <a:t>2019-12-19</a:t>
+              <a:t>2019-12-20</a:t>
             </a:fld>
             <a:endParaRPr lang="ko-KR" altLang="en-US"/>
           </a:p>
@@ -1959,7 +1965,7 @@
           <a:p>
             <a:fld id="{68387CAF-9A89-4306-8BBC-3A76FC80F7DE}" type="datetimeFigureOut">
               <a:rPr lang="ko-KR" altLang="en-US" smtClean="0"/>
-              <a:t>2019-12-19</a:t>
+              <a:t>2019-12-20</a:t>
             </a:fld>
             <a:endParaRPr lang="ko-KR" altLang="en-US"/>
           </a:p>
@@ -2072,7 +2078,7 @@
           <a:p>
             <a:fld id="{68387CAF-9A89-4306-8BBC-3A76FC80F7DE}" type="datetimeFigureOut">
               <a:rPr lang="ko-KR" altLang="en-US" smtClean="0"/>
-              <a:t>2019-12-19</a:t>
+              <a:t>2019-12-20</a:t>
             </a:fld>
             <a:endParaRPr lang="ko-KR" altLang="en-US"/>
           </a:p>
@@ -2383,7 +2389,7 @@
           <a:p>
             <a:fld id="{68387CAF-9A89-4306-8BBC-3A76FC80F7DE}" type="datetimeFigureOut">
               <a:rPr lang="ko-KR" altLang="en-US" smtClean="0"/>
-              <a:t>2019-12-19</a:t>
+              <a:t>2019-12-20</a:t>
             </a:fld>
             <a:endParaRPr lang="ko-KR" altLang="en-US"/>
           </a:p>
@@ -2671,7 +2677,7 @@
           <a:p>
             <a:fld id="{68387CAF-9A89-4306-8BBC-3A76FC80F7DE}" type="datetimeFigureOut">
               <a:rPr lang="ko-KR" altLang="en-US" smtClean="0"/>
-              <a:t>2019-12-19</a:t>
+              <a:t>2019-12-20</a:t>
             </a:fld>
             <a:endParaRPr lang="ko-KR" altLang="en-US"/>
           </a:p>
@@ -2912,7 +2918,7 @@
           <a:p>
             <a:fld id="{68387CAF-9A89-4306-8BBC-3A76FC80F7DE}" type="datetimeFigureOut">
               <a:rPr lang="ko-KR" altLang="en-US" smtClean="0"/>
-              <a:t>2019-12-19</a:t>
+              <a:t>2019-12-20</a:t>
             </a:fld>
             <a:endParaRPr lang="ko-KR" altLang="en-US"/>
           </a:p>
@@ -3462,6 +3468,548 @@
 </p:sld>
 </file>
 
+<file path=ppt/slides/slide10.xml><?xml version="1.0" encoding="utf-8"?>
+<p:sld xmlns:a="http://schemas.openxmlformats.org/drawingml/2006/main" xmlns:r="http://schemas.openxmlformats.org/officeDocument/2006/relationships" xmlns:p="http://schemas.openxmlformats.org/presentationml/2006/main">
+  <p:cSld>
+    <p:spTree>
+      <p:nvGrpSpPr>
+        <p:cNvPr id="1" name=""/>
+        <p:cNvGrpSpPr/>
+        <p:nvPr/>
+      </p:nvGrpSpPr>
+      <p:grpSpPr>
+        <a:xfrm>
+          <a:off x="0" y="0"/>
+          <a:ext cx="0" cy="0"/>
+          <a:chOff x="0" y="0"/>
+          <a:chExt cx="0" cy="0"/>
+        </a:xfrm>
+      </p:grpSpPr>
+      <p:pic>
+        <p:nvPicPr>
+          <p:cNvPr id="11" name="내용 개체 틀 10">
+            <a:extLst>
+              <a:ext uri="{FF2B5EF4-FFF2-40B4-BE49-F238E27FC236}">
+                <a16:creationId xmlns:a16="http://schemas.microsoft.com/office/drawing/2014/main" id="{5E0112A3-6ECA-4D48-B905-B4002E2C14FD}"/>
+              </a:ext>
+            </a:extLst>
+          </p:cNvPr>
+          <p:cNvPicPr>
+            <a:picLocks noGrp="1" noChangeAspect="1"/>
+          </p:cNvPicPr>
+          <p:nvPr>
+            <p:ph idx="1"/>
+          </p:nvPr>
+        </p:nvPicPr>
+        <p:blipFill>
+          <a:blip r:embed="rId2">
+            <a:extLst>
+              <a:ext uri="{28A0092B-C50C-407E-A947-70E740481C1C}">
+                <a14:useLocalDpi xmlns:a14="http://schemas.microsoft.com/office/drawing/2010/main" val="0"/>
+              </a:ext>
+            </a:extLst>
+          </a:blip>
+          <a:stretch>
+            <a:fillRect/>
+          </a:stretch>
+        </p:blipFill>
+        <p:spPr>
+          <a:xfrm>
+            <a:off x="4205210" y="33738"/>
+            <a:ext cx="5338840" cy="6143225"/>
+          </a:xfrm>
+        </p:spPr>
+      </p:pic>
+      <p:sp>
+        <p:nvSpPr>
+          <p:cNvPr id="12" name="TextBox 11">
+            <a:extLst>
+              <a:ext uri="{FF2B5EF4-FFF2-40B4-BE49-F238E27FC236}">
+                <a16:creationId xmlns:a16="http://schemas.microsoft.com/office/drawing/2014/main" id="{45AF59A4-A011-4249-BA50-3E338A4F00D5}"/>
+              </a:ext>
+            </a:extLst>
+          </p:cNvPr>
+          <p:cNvSpPr txBox="1"/>
+          <p:nvPr/>
+        </p:nvSpPr>
+        <p:spPr>
+          <a:xfrm>
+            <a:off x="314324" y="552450"/>
+            <a:ext cx="2809875" cy="4801314"/>
+          </a:xfrm>
+          <a:prstGeom prst="rect">
+            <a:avLst/>
+          </a:prstGeom>
+          <a:noFill/>
+        </p:spPr>
+        <p:txBody>
+          <a:bodyPr wrap="square" rtlCol="0">
+            <a:spAutoFit/>
+          </a:bodyPr>
+          <a:lstStyle/>
+          <a:p>
+            <a:endParaRPr lang="en-US" altLang="ko-KR" dirty="0"/>
+          </a:p>
+          <a:p>
+            <a:r>
+              <a:rPr lang="en-US" altLang="ko-KR" dirty="0"/>
+              <a:t>  </a:t>
+            </a:r>
+            <a:r>
+              <a:rPr lang="en-US" altLang="ko-KR" dirty="0" err="1"/>
+              <a:t>geom_line</a:t>
+            </a:r>
+            <a:r>
+              <a:rPr lang="en-US" altLang="ko-KR" dirty="0"/>
+              <a:t>(</a:t>
+            </a:r>
+            <a:r>
+              <a:rPr lang="en-US" altLang="ko-KR" dirty="0" err="1"/>
+              <a:t>aes</a:t>
+            </a:r>
+            <a:r>
+              <a:rPr lang="en-US" altLang="ko-KR" dirty="0"/>
+              <a:t>(x = </a:t>
+            </a:r>
+            <a:r>
+              <a:rPr lang="en-US" altLang="ko-KR" dirty="0" err="1"/>
+              <a:t>year,y</a:t>
+            </a:r>
+            <a:r>
+              <a:rPr lang="en-US" altLang="ko-KR" dirty="0"/>
+              <a:t> = t1),color = 'brown',</a:t>
+            </a:r>
+            <a:r>
+              <a:rPr lang="en-US" altLang="ko-KR" dirty="0" err="1"/>
+              <a:t>lwd</a:t>
+            </a:r>
+            <a:r>
+              <a:rPr lang="en-US" altLang="ko-KR" dirty="0"/>
+              <a:t> =2)+ #</a:t>
+            </a:r>
+            <a:r>
+              <a:rPr lang="ko-KR" altLang="en-US" dirty="0"/>
+              <a:t>운수 </a:t>
+            </a:r>
+          </a:p>
+          <a:p>
+            <a:r>
+              <a:rPr lang="en-US" altLang="ko-KR" dirty="0" err="1"/>
+              <a:t>geom_line</a:t>
+            </a:r>
+            <a:r>
+              <a:rPr lang="en-US" altLang="ko-KR" dirty="0"/>
+              <a:t>(</a:t>
+            </a:r>
+            <a:r>
+              <a:rPr lang="en-US" altLang="ko-KR" dirty="0" err="1"/>
+              <a:t>aes</a:t>
+            </a:r>
+            <a:r>
+              <a:rPr lang="en-US" altLang="ko-KR" dirty="0"/>
+              <a:t>(x = </a:t>
+            </a:r>
+            <a:r>
+              <a:rPr lang="en-US" altLang="ko-KR" dirty="0" err="1"/>
+              <a:t>year,y</a:t>
+            </a:r>
+            <a:r>
+              <a:rPr lang="en-US" altLang="ko-KR" dirty="0"/>
+              <a:t> = t2),color = 'orange',</a:t>
+            </a:r>
+            <a:r>
+              <a:rPr lang="en-US" altLang="ko-KR" dirty="0" err="1"/>
+              <a:t>lwd</a:t>
+            </a:r>
+            <a:r>
+              <a:rPr lang="en-US" altLang="ko-KR" dirty="0"/>
+              <a:t> =2)+ #</a:t>
+            </a:r>
+            <a:r>
+              <a:rPr lang="ko-KR" altLang="en-US" dirty="0"/>
+              <a:t>도소매</a:t>
+            </a:r>
+          </a:p>
+          <a:p>
+            <a:r>
+              <a:rPr lang="en-US" altLang="ko-KR" dirty="0" err="1"/>
+              <a:t>geom_line</a:t>
+            </a:r>
+            <a:r>
+              <a:rPr lang="en-US" altLang="ko-KR" dirty="0"/>
+              <a:t>(</a:t>
+            </a:r>
+            <a:r>
+              <a:rPr lang="en-US" altLang="ko-KR" dirty="0" err="1"/>
+              <a:t>aes</a:t>
+            </a:r>
+            <a:r>
+              <a:rPr lang="en-US" altLang="ko-KR" dirty="0"/>
+              <a:t>(x = </a:t>
+            </a:r>
+            <a:r>
+              <a:rPr lang="en-US" altLang="ko-KR" dirty="0" err="1"/>
+              <a:t>year,y</a:t>
+            </a:r>
+            <a:r>
+              <a:rPr lang="en-US" altLang="ko-KR" dirty="0"/>
+              <a:t> = t3),color = 'yellow',</a:t>
+            </a:r>
+            <a:r>
+              <a:rPr lang="en-US" altLang="ko-KR" dirty="0" err="1"/>
+              <a:t>lwd</a:t>
+            </a:r>
+            <a:r>
+              <a:rPr lang="en-US" altLang="ko-KR" dirty="0"/>
+              <a:t> =2)+ #</a:t>
+            </a:r>
+            <a:r>
+              <a:rPr lang="ko-KR" altLang="en-US" dirty="0"/>
+              <a:t>숙박</a:t>
+            </a:r>
+          </a:p>
+          <a:p>
+            <a:r>
+              <a:rPr lang="en-US" altLang="ko-KR" dirty="0" err="1"/>
+              <a:t>geom_line</a:t>
+            </a:r>
+            <a:r>
+              <a:rPr lang="en-US" altLang="ko-KR" dirty="0"/>
+              <a:t>(</a:t>
+            </a:r>
+            <a:r>
+              <a:rPr lang="en-US" altLang="ko-KR" dirty="0" err="1"/>
+              <a:t>aes</a:t>
+            </a:r>
+            <a:r>
+              <a:rPr lang="en-US" altLang="ko-KR" dirty="0"/>
+              <a:t>(x = </a:t>
+            </a:r>
+            <a:r>
+              <a:rPr lang="en-US" altLang="ko-KR" dirty="0" err="1"/>
+              <a:t>year,y</a:t>
+            </a:r>
+            <a:r>
+              <a:rPr lang="en-US" altLang="ko-KR" dirty="0"/>
+              <a:t> = t4),color = 'green',</a:t>
+            </a:r>
+            <a:r>
+              <a:rPr lang="en-US" altLang="ko-KR" dirty="0" err="1"/>
+              <a:t>lwd</a:t>
+            </a:r>
+            <a:r>
+              <a:rPr lang="en-US" altLang="ko-KR" dirty="0"/>
+              <a:t> =2)+ #</a:t>
+            </a:r>
+            <a:r>
+              <a:rPr lang="ko-KR" altLang="en-US" dirty="0"/>
+              <a:t>임대</a:t>
+            </a:r>
+          </a:p>
+          <a:p>
+            <a:r>
+              <a:rPr lang="en-US" altLang="ko-KR" dirty="0" err="1"/>
+              <a:t>geom_line</a:t>
+            </a:r>
+            <a:r>
+              <a:rPr lang="en-US" altLang="ko-KR" dirty="0"/>
+              <a:t>(</a:t>
+            </a:r>
+            <a:r>
+              <a:rPr lang="en-US" altLang="ko-KR" dirty="0" err="1"/>
+              <a:t>aes</a:t>
+            </a:r>
+            <a:r>
+              <a:rPr lang="en-US" altLang="ko-KR" dirty="0"/>
+              <a:t>(x = </a:t>
+            </a:r>
+            <a:r>
+              <a:rPr lang="en-US" altLang="ko-KR" dirty="0" err="1"/>
+              <a:t>year,y</a:t>
+            </a:r>
+            <a:r>
+              <a:rPr lang="en-US" altLang="ko-KR" dirty="0"/>
+              <a:t> = t6),color = 'blue',</a:t>
+            </a:r>
+            <a:r>
+              <a:rPr lang="en-US" altLang="ko-KR" dirty="0" err="1"/>
+              <a:t>lwd</a:t>
+            </a:r>
+            <a:r>
+              <a:rPr lang="en-US" altLang="ko-KR" dirty="0"/>
+              <a:t> =2) + #</a:t>
+            </a:r>
+            <a:r>
+              <a:rPr lang="ko-KR" altLang="en-US" dirty="0"/>
+              <a:t>전문과학</a:t>
+            </a:r>
+          </a:p>
+        </p:txBody>
+      </p:sp>
+      <p:sp>
+        <p:nvSpPr>
+          <p:cNvPr id="13" name="TextBox 12">
+            <a:extLst>
+              <a:ext uri="{FF2B5EF4-FFF2-40B4-BE49-F238E27FC236}">
+                <a16:creationId xmlns:a16="http://schemas.microsoft.com/office/drawing/2014/main" id="{BDA0D1D2-0D47-4213-891A-36EA6C6234A8}"/>
+              </a:ext>
+            </a:extLst>
+          </p:cNvPr>
+          <p:cNvSpPr txBox="1"/>
+          <p:nvPr/>
+        </p:nvSpPr>
+        <p:spPr>
+          <a:xfrm>
+            <a:off x="8943975" y="952500"/>
+            <a:ext cx="2524125" cy="369332"/>
+          </a:xfrm>
+          <a:prstGeom prst="rect">
+            <a:avLst/>
+          </a:prstGeom>
+          <a:noFill/>
+        </p:spPr>
+        <p:txBody>
+          <a:bodyPr wrap="square" rtlCol="0">
+            <a:spAutoFit/>
+          </a:bodyPr>
+          <a:lstStyle/>
+          <a:p>
+            <a:r>
+              <a:rPr lang="ko-KR" altLang="en-US" dirty="0"/>
+              <a:t>운수업 </a:t>
+            </a:r>
+            <a:r>
+              <a:rPr lang="en-US" altLang="ko-KR" dirty="0"/>
+              <a:t>6.3</a:t>
+            </a:r>
+            <a:r>
+              <a:rPr lang="ko-KR" altLang="en-US" dirty="0"/>
+              <a:t>개월</a:t>
+            </a:r>
+          </a:p>
+        </p:txBody>
+      </p:sp>
+      <p:sp>
+        <p:nvSpPr>
+          <p:cNvPr id="14" name="TextBox 13">
+            <a:extLst>
+              <a:ext uri="{FF2B5EF4-FFF2-40B4-BE49-F238E27FC236}">
+                <a16:creationId xmlns:a16="http://schemas.microsoft.com/office/drawing/2014/main" id="{F2A850B2-FBCF-4E68-95A4-158C6AF97724}"/>
+              </a:ext>
+            </a:extLst>
+          </p:cNvPr>
+          <p:cNvSpPr txBox="1"/>
+          <p:nvPr/>
+        </p:nvSpPr>
+        <p:spPr>
+          <a:xfrm>
+            <a:off x="9610725" y="2105025"/>
+            <a:ext cx="2790825" cy="369332"/>
+          </a:xfrm>
+          <a:prstGeom prst="rect">
+            <a:avLst/>
+          </a:prstGeom>
+          <a:noFill/>
+        </p:spPr>
+        <p:txBody>
+          <a:bodyPr wrap="square" rtlCol="0">
+            <a:spAutoFit/>
+          </a:bodyPr>
+          <a:lstStyle/>
+          <a:p>
+            <a:r>
+              <a:rPr lang="ko-KR" altLang="en-US" dirty="0"/>
+              <a:t>도매 및 소매업 </a:t>
+            </a:r>
+            <a:r>
+              <a:rPr lang="en-US" altLang="ko-KR" dirty="0"/>
+              <a:t>7.9</a:t>
+            </a:r>
+            <a:r>
+              <a:rPr lang="ko-KR" altLang="en-US" dirty="0"/>
+              <a:t>개월</a:t>
+            </a:r>
+          </a:p>
+        </p:txBody>
+      </p:sp>
+      <p:sp>
+        <p:nvSpPr>
+          <p:cNvPr id="15" name="TextBox 14">
+            <a:extLst>
+              <a:ext uri="{FF2B5EF4-FFF2-40B4-BE49-F238E27FC236}">
+                <a16:creationId xmlns:a16="http://schemas.microsoft.com/office/drawing/2014/main" id="{42B2515A-AFC2-4032-B751-78A79C08C559}"/>
+              </a:ext>
+            </a:extLst>
+          </p:cNvPr>
+          <p:cNvSpPr txBox="1"/>
+          <p:nvPr/>
+        </p:nvSpPr>
+        <p:spPr>
+          <a:xfrm>
+            <a:off x="10067925" y="3143250"/>
+            <a:ext cx="2124075" cy="369332"/>
+          </a:xfrm>
+          <a:prstGeom prst="rect">
+            <a:avLst/>
+          </a:prstGeom>
+          <a:noFill/>
+        </p:spPr>
+        <p:txBody>
+          <a:bodyPr wrap="square" rtlCol="0">
+            <a:spAutoFit/>
+          </a:bodyPr>
+          <a:lstStyle/>
+          <a:p>
+            <a:r>
+              <a:rPr lang="ko-KR" altLang="en-US" dirty="0"/>
+              <a:t>임대업</a:t>
+            </a:r>
+          </a:p>
+        </p:txBody>
+      </p:sp>
+      <p:sp>
+        <p:nvSpPr>
+          <p:cNvPr id="16" name="TextBox 15">
+            <a:extLst>
+              <a:ext uri="{FF2B5EF4-FFF2-40B4-BE49-F238E27FC236}">
+                <a16:creationId xmlns:a16="http://schemas.microsoft.com/office/drawing/2014/main" id="{F2258EBC-5304-4FEB-84A7-F953BD2BD10A}"/>
+              </a:ext>
+            </a:extLst>
+          </p:cNvPr>
+          <p:cNvSpPr txBox="1"/>
+          <p:nvPr/>
+        </p:nvSpPr>
+        <p:spPr>
+          <a:xfrm>
+            <a:off x="9201149" y="4106645"/>
+            <a:ext cx="3133725" cy="369332"/>
+          </a:xfrm>
+          <a:prstGeom prst="rect">
+            <a:avLst/>
+          </a:prstGeom>
+          <a:noFill/>
+        </p:spPr>
+        <p:txBody>
+          <a:bodyPr wrap="square" rtlCol="0">
+            <a:spAutoFit/>
+          </a:bodyPr>
+          <a:lstStyle/>
+          <a:p>
+            <a:r>
+              <a:rPr lang="ko-KR" altLang="en-US" dirty="0"/>
+              <a:t>숙박 및 </a:t>
+            </a:r>
+            <a:r>
+              <a:rPr lang="ko-KR" altLang="en-US"/>
+              <a:t>음식점업 </a:t>
+            </a:r>
+            <a:r>
+              <a:rPr lang="en-US" altLang="ko-KR" dirty="0"/>
+              <a:t>8.2</a:t>
+            </a:r>
+            <a:r>
+              <a:rPr lang="ko-KR" altLang="en-US" dirty="0"/>
+              <a:t>개월</a:t>
+            </a:r>
+          </a:p>
+        </p:txBody>
+      </p:sp>
+      <p:sp>
+        <p:nvSpPr>
+          <p:cNvPr id="18" name="TextBox 17">
+            <a:extLst>
+              <a:ext uri="{FF2B5EF4-FFF2-40B4-BE49-F238E27FC236}">
+                <a16:creationId xmlns:a16="http://schemas.microsoft.com/office/drawing/2014/main" id="{626C6791-B29F-468E-9771-E90D77E37043}"/>
+              </a:ext>
+            </a:extLst>
+          </p:cNvPr>
+          <p:cNvSpPr txBox="1"/>
+          <p:nvPr/>
+        </p:nvSpPr>
+        <p:spPr>
+          <a:xfrm>
+            <a:off x="9368118" y="4957482"/>
+            <a:ext cx="2608729" cy="646331"/>
+          </a:xfrm>
+          <a:prstGeom prst="rect">
+            <a:avLst/>
+          </a:prstGeom>
+          <a:noFill/>
+        </p:spPr>
+        <p:txBody>
+          <a:bodyPr wrap="square" rtlCol="0">
+            <a:spAutoFit/>
+          </a:bodyPr>
+          <a:lstStyle/>
+          <a:p>
+            <a:r>
+              <a:rPr lang="ko-KR" altLang="en-US" dirty="0"/>
+              <a:t>전문</a:t>
+            </a:r>
+            <a:r>
+              <a:rPr lang="en-US" altLang="ko-KR" dirty="0"/>
+              <a:t>, </a:t>
+            </a:r>
+            <a:r>
+              <a:rPr lang="ko-KR" altLang="en-US" dirty="0"/>
+              <a:t>과학 및 기술 서비스업 </a:t>
+            </a:r>
+            <a:r>
+              <a:rPr lang="en-US" altLang="ko-KR" dirty="0"/>
+              <a:t>10.5 </a:t>
+            </a:r>
+            <a:r>
+              <a:rPr lang="ko-KR" altLang="en-US" dirty="0"/>
+              <a:t>개월 </a:t>
+            </a:r>
+          </a:p>
+        </p:txBody>
+      </p:sp>
+      <p:sp>
+        <p:nvSpPr>
+          <p:cNvPr id="19" name="TextBox 18">
+            <a:extLst>
+              <a:ext uri="{FF2B5EF4-FFF2-40B4-BE49-F238E27FC236}">
+                <a16:creationId xmlns:a16="http://schemas.microsoft.com/office/drawing/2014/main" id="{6B0F20AC-DC39-44BA-A271-4F8BF5E19D02}"/>
+              </a:ext>
+            </a:extLst>
+          </p:cNvPr>
+          <p:cNvSpPr txBox="1"/>
+          <p:nvPr/>
+        </p:nvSpPr>
+        <p:spPr>
+          <a:xfrm>
+            <a:off x="5741894" y="2971800"/>
+            <a:ext cx="914400" cy="914400"/>
+          </a:xfrm>
+          <a:prstGeom prst="rect">
+            <a:avLst/>
+          </a:prstGeom>
+          <a:noFill/>
+        </p:spPr>
+        <p:txBody>
+          <a:bodyPr wrap="square" rtlCol="0">
+            <a:spAutoFit/>
+          </a:bodyPr>
+          <a:lstStyle/>
+          <a:p>
+            <a:endParaRPr lang="ko-KR" altLang="en-US" dirty="0"/>
+          </a:p>
+        </p:txBody>
+      </p:sp>
+    </p:spTree>
+    <p:extLst>
+      <p:ext uri="{BB962C8B-B14F-4D97-AF65-F5344CB8AC3E}">
+        <p14:creationId xmlns:p14="http://schemas.microsoft.com/office/powerpoint/2010/main" val="2648291348"/>
+      </p:ext>
+    </p:extLst>
+  </p:cSld>
+  <p:clrMapOvr>
+    <a:masterClrMapping/>
+  </p:clrMapOvr>
+</p:sld>
+</file>
+
 <file path=ppt/slides/slide2.xml><?xml version="1.0" encoding="utf-8"?>
 <p:sld xmlns:a="http://schemas.openxmlformats.org/drawingml/2006/main" xmlns:r="http://schemas.openxmlformats.org/officeDocument/2006/relationships" xmlns:p="http://schemas.openxmlformats.org/presentationml/2006/main">
   <p:cSld>
@@ -3612,47 +4160,6 @@
       </p:sp>
       <p:sp>
         <p:nvSpPr>
-          <p:cNvPr id="10" name="TextBox 9">
-            <a:extLst>
-              <a:ext uri="{FF2B5EF4-FFF2-40B4-BE49-F238E27FC236}">
-                <a16:creationId xmlns:a16="http://schemas.microsoft.com/office/drawing/2014/main" id="{100C5199-AE7E-4923-BE54-04A64AE536E1}"/>
-              </a:ext>
-            </a:extLst>
-          </p:cNvPr>
-          <p:cNvSpPr txBox="1"/>
-          <p:nvPr/>
-        </p:nvSpPr>
-        <p:spPr>
-          <a:xfrm flipH="1">
-            <a:off x="5289176" y="4491099"/>
-            <a:ext cx="2034988" cy="323165"/>
-          </a:xfrm>
-          <a:prstGeom prst="rect">
-            <a:avLst/>
-          </a:prstGeom>
-          <a:noFill/>
-        </p:spPr>
-        <p:txBody>
-          <a:bodyPr wrap="square" rtlCol="0">
-            <a:spAutoFit/>
-          </a:bodyPr>
-          <a:lstStyle/>
-          <a:p>
-            <a:r>
-              <a:rPr lang="ko-KR" altLang="en-US" sz="1500" b="1" dirty="0">
-                <a:solidFill>
-                  <a:schemeClr val="accent1">
-                    <a:lumMod val="50000"/>
-                  </a:schemeClr>
-                </a:solidFill>
-              </a:rPr>
-              <a:t>숙박 및 음식점업</a:t>
-            </a:r>
-          </a:p>
-        </p:txBody>
-      </p:sp>
-      <p:sp>
-        <p:nvSpPr>
           <p:cNvPr id="12" name="TextBox 11">
             <a:extLst>
               <a:ext uri="{FF2B5EF4-FFF2-40B4-BE49-F238E27FC236}">
@@ -3692,57 +4199,119 @@
           </a:p>
         </p:txBody>
       </p:sp>
-      <p:sp>
-        <p:nvSpPr>
-          <p:cNvPr id="14" name="TextBox 13">
-            <a:extLst>
-              <a:ext uri="{FF2B5EF4-FFF2-40B4-BE49-F238E27FC236}">
-                <a16:creationId xmlns:a16="http://schemas.microsoft.com/office/drawing/2014/main" id="{DC1DD558-D0AF-4767-83EE-67E3C47AC934}"/>
-              </a:ext>
-            </a:extLst>
-          </p:cNvPr>
-          <p:cNvSpPr txBox="1"/>
+      <p:grpSp>
+        <p:nvGrpSpPr>
+          <p:cNvPr id="2" name="그룹 1">
+            <a:extLst>
+              <a:ext uri="{FF2B5EF4-FFF2-40B4-BE49-F238E27FC236}">
+                <a16:creationId xmlns:a16="http://schemas.microsoft.com/office/drawing/2014/main" id="{B111941E-B4CB-407B-BB9F-60C146CCCD8A}"/>
+              </a:ext>
+            </a:extLst>
+          </p:cNvPr>
+          <p:cNvGrpSpPr/>
           <p:nvPr/>
-        </p:nvSpPr>
-        <p:spPr>
-          <a:xfrm>
-            <a:off x="5925670" y="2276817"/>
-            <a:ext cx="2940424" cy="323165"/>
-          </a:xfrm>
-          <a:prstGeom prst="rect">
-            <a:avLst/>
-          </a:prstGeom>
-          <a:noFill/>
-        </p:spPr>
-        <p:txBody>
-          <a:bodyPr wrap="square" rtlCol="0">
-            <a:spAutoFit/>
-          </a:bodyPr>
-          <a:lstStyle/>
-          <a:p>
-            <a:r>
-              <a:rPr lang="ko-KR" altLang="en-US" sz="1500" b="1" dirty="0" err="1">
-                <a:solidFill>
-                  <a:schemeClr val="accent1">
-                    <a:lumMod val="50000"/>
-                  </a:schemeClr>
-                </a:solidFill>
-              </a:rPr>
-              <a:t>협회등</a:t>
-            </a:r>
-            <a:r>
-              <a:rPr lang="ko-KR" altLang="en-US" sz="1500" b="1" dirty="0">
-                <a:solidFill>
-                  <a:schemeClr val="accent1">
-                    <a:lumMod val="50000"/>
-                  </a:schemeClr>
-                </a:solidFill>
-              </a:rPr>
-              <a:t> 개인 서비스업</a:t>
-            </a:r>
-          </a:p>
-        </p:txBody>
-      </p:sp>
+        </p:nvGrpSpPr>
+        <p:grpSpPr>
+          <a:xfrm>
+            <a:off x="5289176" y="2276817"/>
+            <a:ext cx="3576918" cy="2537447"/>
+            <a:chOff x="5289176" y="2276817"/>
+            <a:chExt cx="3576918" cy="2537447"/>
+          </a:xfrm>
+        </p:grpSpPr>
+        <p:sp>
+          <p:nvSpPr>
+            <p:cNvPr id="10" name="TextBox 9">
+              <a:extLst>
+                <a:ext uri="{FF2B5EF4-FFF2-40B4-BE49-F238E27FC236}">
+                  <a16:creationId xmlns:a16="http://schemas.microsoft.com/office/drawing/2014/main" id="{100C5199-AE7E-4923-BE54-04A64AE536E1}"/>
+                </a:ext>
+              </a:extLst>
+            </p:cNvPr>
+            <p:cNvSpPr txBox="1"/>
+            <p:nvPr/>
+          </p:nvSpPr>
+          <p:spPr>
+            <a:xfrm flipH="1">
+              <a:off x="5289176" y="4491099"/>
+              <a:ext cx="2034988" cy="323165"/>
+            </a:xfrm>
+            <a:prstGeom prst="rect">
+              <a:avLst/>
+            </a:prstGeom>
+            <a:noFill/>
+          </p:spPr>
+          <p:txBody>
+            <a:bodyPr wrap="square" rtlCol="0">
+              <a:spAutoFit/>
+            </a:bodyPr>
+            <a:lstStyle/>
+            <a:p>
+              <a:r>
+                <a:rPr lang="ko-KR" altLang="en-US" sz="1500" b="1" dirty="0">
+                  <a:solidFill>
+                    <a:schemeClr val="accent1">
+                      <a:lumMod val="50000"/>
+                    </a:schemeClr>
+                  </a:solidFill>
+                </a:rPr>
+                <a:t>숙박 및 음식점업</a:t>
+              </a:r>
+            </a:p>
+          </p:txBody>
+        </p:sp>
+        <p:sp>
+          <p:nvSpPr>
+            <p:cNvPr id="14" name="TextBox 13">
+              <a:extLst>
+                <a:ext uri="{FF2B5EF4-FFF2-40B4-BE49-F238E27FC236}">
+                  <a16:creationId xmlns:a16="http://schemas.microsoft.com/office/drawing/2014/main" id="{DC1DD558-D0AF-4767-83EE-67E3C47AC934}"/>
+                </a:ext>
+              </a:extLst>
+            </p:cNvPr>
+            <p:cNvSpPr txBox="1"/>
+            <p:nvPr/>
+          </p:nvSpPr>
+          <p:spPr>
+            <a:xfrm>
+              <a:off x="5925670" y="2276817"/>
+              <a:ext cx="2940424" cy="323165"/>
+            </a:xfrm>
+            <a:prstGeom prst="rect">
+              <a:avLst/>
+            </a:prstGeom>
+            <a:noFill/>
+          </p:spPr>
+          <p:txBody>
+            <a:bodyPr wrap="square" rtlCol="0">
+              <a:spAutoFit/>
+            </a:bodyPr>
+            <a:lstStyle/>
+            <a:p>
+              <a:r>
+                <a:rPr lang="ko-KR" altLang="en-US" sz="1500" b="1" dirty="0" err="1">
+                  <a:solidFill>
+                    <a:schemeClr val="accent1">
+                      <a:lumMod val="50000"/>
+                    </a:schemeClr>
+                  </a:solidFill>
+                </a:rPr>
+                <a:t>협회등</a:t>
+              </a:r>
+              <a:r>
+                <a:rPr lang="ko-KR" altLang="en-US" sz="1500" b="1" dirty="0">
+                  <a:solidFill>
+                    <a:schemeClr val="accent1">
+                      <a:lumMod val="50000"/>
+                    </a:schemeClr>
+                  </a:solidFill>
+                </a:rPr>
+                <a:t> 개인 서비스업</a:t>
+              </a:r>
+            </a:p>
+          </p:txBody>
+        </p:sp>
+      </p:grpSp>
     </p:spTree>
     <p:extLst>
       <p:ext uri="{BB962C8B-B14F-4D97-AF65-F5344CB8AC3E}">
@@ -4517,7 +5086,7 @@
         </p:nvSpPr>
         <p:spPr>
           <a:xfrm>
-            <a:off x="5816514" y="4135509"/>
+            <a:off x="5747396" y="2699954"/>
             <a:ext cx="415498" cy="1458092"/>
           </a:xfrm>
           <a:prstGeom prst="rect">
